--- a/.slides/topics/04_data_objects.pptx
+++ b/.slides/topics/04_data_objects.pptx
@@ -10,13 +10,15 @@
     <p:sldId id="258" r:id="rId4"/>
     <p:sldId id="259" r:id="rId5"/>
     <p:sldId id="260" r:id="rId6"/>
-    <p:sldId id="261" r:id="rId7"/>
-    <p:sldId id="262" r:id="rId8"/>
-    <p:sldId id="263" r:id="rId9"/>
-    <p:sldId id="264" r:id="rId10"/>
-    <p:sldId id="265" r:id="rId11"/>
-    <p:sldId id="266" r:id="rId12"/>
-    <p:sldId id="267" r:id="rId13"/>
+    <p:sldId id="269" r:id="rId7"/>
+    <p:sldId id="261" r:id="rId8"/>
+    <p:sldId id="262" r:id="rId9"/>
+    <p:sldId id="263" r:id="rId10"/>
+    <p:sldId id="264" r:id="rId11"/>
+    <p:sldId id="265" r:id="rId12"/>
+    <p:sldId id="266" r:id="rId13"/>
+    <p:sldId id="267" r:id="rId14"/>
+    <p:sldId id="268" r:id="rId15"/>
   </p:sldIdLst>
   <p:sldSz cx="12192000" cy="6858000"/>
   <p:notesSz cx="6858000" cy="9144000"/>
@@ -3482,6 +3484,53 @@
           </a:p>
         </p:txBody>
       </p:sp>
+      <p:pic>
+        <p:nvPicPr>
+          <p:cNvPr id="1026" name="Picture 2">
+            <a:extLst>
+              <a:ext uri="{FF2B5EF4-FFF2-40B4-BE49-F238E27FC236}">
+                <a16:creationId xmlns:a16="http://schemas.microsoft.com/office/drawing/2014/main" id="{AFC3E1D4-4245-2568-881C-27FD5E3E081C}"/>
+              </a:ext>
+            </a:extLst>
+          </p:cNvPr>
+          <p:cNvPicPr>
+            <a:picLocks noChangeAspect="1" noChangeArrowheads="1"/>
+          </p:cNvPicPr>
+          <p:nvPr/>
+        </p:nvPicPr>
+        <p:blipFill>
+          <a:blip r:embed="rId3">
+            <a:extLst>
+              <a:ext uri="{28A0092B-C50C-407E-A947-70E740481C1C}">
+                <a14:useLocalDpi xmlns:a14="http://schemas.microsoft.com/office/drawing/2010/main" val="0"/>
+              </a:ext>
+            </a:extLst>
+          </a:blip>
+          <a:srcRect/>
+          <a:stretch>
+            <a:fillRect/>
+          </a:stretch>
+        </p:blipFill>
+        <p:spPr bwMode="auto">
+          <a:xfrm>
+            <a:off x="8538233" y="832032"/>
+            <a:ext cx="3240000" cy="2168308"/>
+          </a:xfrm>
+          <a:prstGeom prst="rect">
+            <a:avLst/>
+          </a:prstGeom>
+          <a:noFill/>
+          <a:extLst>
+            <a:ext uri="{909E8E84-426E-40DD-AFC4-6F175D3DCCD1}">
+              <a14:hiddenFill xmlns:a14="http://schemas.microsoft.com/office/drawing/2010/main">
+                <a:solidFill>
+                  <a:srgbClr val="FFFFFF"/>
+                </a:solidFill>
+              </a14:hiddenFill>
+            </a:ext>
+          </a:extLst>
+        </p:spPr>
+      </p:pic>
     </p:spTree>
   </p:cSld>
   <p:clrMapOvr>
@@ -3532,7 +3581,7 @@
               <a:buNone/>
             </a:pPr>
             <a:r>
-              <a:t>Data Conversion</a:t>
+              <a:t>Working with Factors</a:t>
             </a:r>
           </a:p>
         </p:txBody>
@@ -3560,25 +3609,25 @@
           <a:p>
             <a:pPr lvl="0"/>
             <a:r>
-              <a:t>Use class() to check current data type</a:t>
-            </a:r>
-          </a:p>
-          <a:p>
-            <a:pPr lvl="0"/>
-            <a:r>
-              <a:t>Convert with as.numeric(), as.character(), as.factor()</a:t>
-            </a:r>
-          </a:p>
-          <a:p>
-            <a:pPr lvl="0"/>
-            <a:r>
-              <a:t>R usually guesses correctly but check when unsure</a:t>
-            </a:r>
-          </a:p>
-          <a:p>
-            <a:pPr lvl="0"/>
-            <a:r>
-              <a:t>Sometimes manual conversion necessary</a:t>
+              <a:t>Used for categorical data with limited categories</a:t>
+            </a:r>
+          </a:p>
+          <a:p>
+            <a:pPr lvl="0"/>
+            <a:r>
+              <a:t>Non-ordered factors: simple category names</a:t>
+            </a:r>
+          </a:p>
+          <a:p>
+            <a:pPr lvl="0"/>
+            <a:r>
+              <a:t>Ordered factors: specific sequence matters</a:t>
+            </a:r>
+          </a:p>
+          <a:p>
+            <a:pPr lvl="0"/>
+            <a:r>
+              <a:t>Must specify order explicitly when needed</a:t>
             </a:r>
           </a:p>
         </p:txBody>
@@ -3633,7 +3682,7 @@
               <a:buNone/>
             </a:pPr>
             <a:r>
-              <a:t>Vector and Matrix Operations</a:t>
+              <a:t>Data Conversion</a:t>
             </a:r>
           </a:p>
         </p:txBody>
@@ -3661,25 +3710,60 @@
           <a:p>
             <a:pPr lvl="0"/>
             <a:r>
-              <a:t>Vectors: single dimension storage (1 to i)</a:t>
-            </a:r>
-          </a:p>
-          <a:p>
-            <a:pPr lvl="0"/>
-            <a:r>
-              <a:t>Matrices: two dimensions (i rows, j columns)</a:t>
-            </a:r>
-          </a:p>
-          <a:p>
-            <a:pPr lvl="0"/>
-            <a:r>
-              <a:t>Arrays: three or more dimensions</a:t>
-            </a:r>
-          </a:p>
-          <a:p>
-            <a:pPr lvl="0"/>
-            <a:r>
-              <a:t>All must store same data type</a:t>
+              <a:t>Use class() to check current data type</a:t>
+            </a:r>
+          </a:p>
+          <a:p>
+            <a:pPr lvl="0"/>
+            <a:r>
+              <a:t>Convert with as.numeric(), as.character(), as.factor()</a:t>
+            </a:r>
+          </a:p>
+          <a:p>
+            <a:pPr lvl="0"/>
+            <a:r>
+              <a:t>R usually guesses correctly but check when unsure</a:t>
+            </a:r>
+          </a:p>
+          <a:p>
+            <a:pPr lvl="0"/>
+            <a:r>
+              <a:t>Sometimes manual conversion necessary</a:t>
+            </a:r>
+          </a:p>
+        </p:txBody>
+      </p:sp>
+      <p:sp>
+        <p:nvSpPr>
+          <p:cNvPr id="4" name="TextBox 3">
+            <a:extLst>
+              <a:ext uri="{FF2B5EF4-FFF2-40B4-BE49-F238E27FC236}">
+                <a16:creationId xmlns:a16="http://schemas.microsoft.com/office/drawing/2014/main" id="{622F105C-0550-D200-20DB-B7B73A92FE27}"/>
+              </a:ext>
+            </a:extLst>
+          </p:cNvPr>
+          <p:cNvSpPr txBox="1"/>
+          <p:nvPr/>
+        </p:nvSpPr>
+        <p:spPr>
+          <a:xfrm>
+            <a:off x="3726612" y="4692769"/>
+            <a:ext cx="3774110" cy="646331"/>
+          </a:xfrm>
+          <a:prstGeom prst="rect">
+            <a:avLst/>
+          </a:prstGeom>
+          <a:noFill/>
+        </p:spPr>
+        <p:txBody>
+          <a:bodyPr wrap="none" rtlCol="0">
+            <a:spAutoFit/>
+          </a:bodyPr>
+          <a:lstStyle/>
+          <a:p>
+            <a:r>
+              <a:rPr lang="en-GB" sz="3600" b="1" dirty="0"/>
+              <a:t>&lt;demonstration&gt;</a:t>
             </a:r>
           </a:p>
         </p:txBody>
@@ -3734,6 +3818,107 @@
               <a:buNone/>
             </a:pPr>
             <a:r>
+              <a:t>Vector and Matrix Operations</a:t>
+            </a:r>
+          </a:p>
+        </p:txBody>
+      </p:sp>
+      <p:sp>
+        <p:nvSpPr>
+          <p:cNvPr id="3" name="Content Placeholder 2">
+            <a:extLst>
+              <a:ext uri="{FF2B5EF4-FFF2-40B4-BE49-F238E27FC236}">
+                <a16:creationId xmlns:a16="http://schemas.microsoft.com/office/drawing/2014/main" id="{51C3FE42-1672-993E-68F1-5E07C2E42057}"/>
+              </a:ext>
+            </a:extLst>
+          </p:cNvPr>
+          <p:cNvSpPr>
+            <a:spLocks noGrp="1"/>
+          </p:cNvSpPr>
+          <p:nvPr>
+            <p:ph idx="1"/>
+          </p:nvPr>
+        </p:nvSpPr>
+        <p:spPr/>
+        <p:txBody>
+          <a:bodyPr/>
+          <a:lstStyle/>
+          <a:p>
+            <a:pPr lvl="0"/>
+            <a:r>
+              <a:t>Vectors: single dimension storage (1 to i)</a:t>
+            </a:r>
+          </a:p>
+          <a:p>
+            <a:pPr lvl="0"/>
+            <a:r>
+              <a:t>Matrices: two dimensions (i rows, j columns)</a:t>
+            </a:r>
+          </a:p>
+          <a:p>
+            <a:pPr lvl="0"/>
+            <a:r>
+              <a:t>Arrays: three or more dimensions</a:t>
+            </a:r>
+          </a:p>
+          <a:p>
+            <a:pPr lvl="0"/>
+            <a:r>
+              <a:t>All must store same data type</a:t>
+            </a:r>
+          </a:p>
+        </p:txBody>
+      </p:sp>
+    </p:spTree>
+  </p:cSld>
+  <p:clrMapOvr>
+    <a:masterClrMapping/>
+  </p:clrMapOvr>
+</p:sld>
+</file>
+
+<file path=ppt/slides/slide13.xml><?xml version="1.0" encoding="utf-8"?>
+<p:sld xmlns:a="http://schemas.openxmlformats.org/drawingml/2006/main" xmlns:r="http://schemas.openxmlformats.org/officeDocument/2006/relationships" xmlns:p="http://schemas.openxmlformats.org/presentationml/2006/main">
+  <p:cSld>
+    <p:spTree>
+      <p:nvGrpSpPr>
+        <p:cNvPr id="1" name=""/>
+        <p:cNvGrpSpPr/>
+        <p:nvPr/>
+      </p:nvGrpSpPr>
+      <p:grpSpPr>
+        <a:xfrm>
+          <a:off x="0" y="0"/>
+          <a:ext cx="0" cy="0"/>
+          <a:chOff x="0" y="0"/>
+          <a:chExt cx="0" cy="0"/>
+        </a:xfrm>
+      </p:grpSpPr>
+      <p:sp>
+        <p:nvSpPr>
+          <p:cNvPr id="2" name="Title 1">
+            <a:extLst>
+              <a:ext uri="{FF2B5EF4-FFF2-40B4-BE49-F238E27FC236}">
+                <a16:creationId xmlns:a16="http://schemas.microsoft.com/office/drawing/2014/main" id="{8525C2D7-E417-70EE-D336-6C2729628304}"/>
+              </a:ext>
+            </a:extLst>
+          </p:cNvPr>
+          <p:cNvSpPr>
+            <a:spLocks noGrp="1"/>
+          </p:cNvSpPr>
+          <p:nvPr>
+            <p:ph type="title"/>
+          </p:nvPr>
+        </p:nvSpPr>
+        <p:spPr/>
+        <p:txBody>
+          <a:bodyPr/>
+          <a:lstStyle/>
+          <a:p>
+            <a:pPr marL="0" lvl="0" indent="0">
+              <a:buNone/>
+            </a:pPr>
+            <a:r>
               <a:t>Matrix Creation and Manipulation</a:t>
             </a:r>
           </a:p>
@@ -3762,29 +3947,196 @@
           <a:p>
             <a:pPr lvl="0"/>
             <a:r>
-              <a:t>Use matrix() function with data, nrow, ncol</a:t>
-            </a:r>
-          </a:p>
-          <a:p>
-            <a:pPr lvl="0"/>
-            <a:r>
-              <a:t>Can name rows and columns with rownames(), colnames()</a:t>
-            </a:r>
-          </a:p>
-          <a:p>
-            <a:pPr lvl="0"/>
-            <a:r>
-              <a:t>Access elements using bracket notation [i,j]</a:t>
-            </a:r>
-          </a:p>
-          <a:p>
-            <a:pPr lvl="0"/>
-            <a:r>
+              <a:rPr dirty="0"/>
+              <a:t>Use matrix() function with data, </a:t>
+            </a:r>
+            <a:r>
+              <a:rPr dirty="0" err="1"/>
+              <a:t>nrow</a:t>
+            </a:r>
+            <a:r>
+              <a:rPr dirty="0"/>
+              <a:t>, </a:t>
+            </a:r>
+            <a:r>
+              <a:rPr dirty="0" err="1"/>
+              <a:t>ncol</a:t>
+            </a:r>
+            <a:endParaRPr dirty="0"/>
+          </a:p>
+          <a:p>
+            <a:pPr lvl="0"/>
+            <a:r>
+              <a:rPr dirty="0"/>
+              <a:t>Can name rows and columns with </a:t>
+            </a:r>
+            <a:r>
+              <a:rPr dirty="0" err="1"/>
+              <a:t>rownames</a:t>
+            </a:r>
+            <a:r>
+              <a:rPr dirty="0"/>
+              <a:t>(), </a:t>
+            </a:r>
+            <a:r>
+              <a:rPr dirty="0" err="1"/>
+              <a:t>colnames</a:t>
+            </a:r>
+            <a:r>
+              <a:rPr dirty="0"/>
+              <a:t>()</a:t>
+            </a:r>
+          </a:p>
+          <a:p>
+            <a:pPr lvl="0"/>
+            <a:r>
+              <a:rPr dirty="0"/>
+              <a:t>Access elements using bracket notation [</a:t>
+            </a:r>
+            <a:r>
+              <a:rPr dirty="0" err="1"/>
+              <a:t>i,j</a:t>
+            </a:r>
+            <a:r>
+              <a:rPr dirty="0"/>
+              <a:t>]</a:t>
+            </a:r>
+          </a:p>
+          <a:p>
+            <a:pPr lvl="0"/>
+            <a:r>
+              <a:rPr dirty="0"/>
               <a:t>Useful for mathematical operations and data organization</a:t>
             </a:r>
           </a:p>
         </p:txBody>
       </p:sp>
+      <p:sp>
+        <p:nvSpPr>
+          <p:cNvPr id="4" name="TextBox 3">
+            <a:extLst>
+              <a:ext uri="{FF2B5EF4-FFF2-40B4-BE49-F238E27FC236}">
+                <a16:creationId xmlns:a16="http://schemas.microsoft.com/office/drawing/2014/main" id="{FECB3BF0-B338-DB83-FAC1-8E5DB21C377B}"/>
+              </a:ext>
+            </a:extLst>
+          </p:cNvPr>
+          <p:cNvSpPr txBox="1"/>
+          <p:nvPr/>
+        </p:nvSpPr>
+        <p:spPr>
+          <a:xfrm>
+            <a:off x="3726612" y="4692769"/>
+            <a:ext cx="3774110" cy="646331"/>
+          </a:xfrm>
+          <a:prstGeom prst="rect">
+            <a:avLst/>
+          </a:prstGeom>
+          <a:noFill/>
+        </p:spPr>
+        <p:txBody>
+          <a:bodyPr wrap="none" rtlCol="0">
+            <a:spAutoFit/>
+          </a:bodyPr>
+          <a:lstStyle/>
+          <a:p>
+            <a:r>
+              <a:rPr lang="en-GB" sz="3600" b="1" dirty="0"/>
+              <a:t>&lt;demonstration&gt;</a:t>
+            </a:r>
+          </a:p>
+        </p:txBody>
+      </p:sp>
+    </p:spTree>
+  </p:cSld>
+  <p:clrMapOvr>
+    <a:masterClrMapping/>
+  </p:clrMapOvr>
+</p:sld>
+</file>
+
+<file path=ppt/slides/slide14.xml><?xml version="1.0" encoding="utf-8"?>
+<p:sld xmlns:a="http://schemas.openxmlformats.org/drawingml/2006/main" xmlns:r="http://schemas.openxmlformats.org/officeDocument/2006/relationships" xmlns:p="http://schemas.openxmlformats.org/presentationml/2006/main">
+  <p:cSld>
+    <p:spTree>
+      <p:nvGrpSpPr>
+        <p:cNvPr id="1" name=""/>
+        <p:cNvGrpSpPr/>
+        <p:nvPr/>
+      </p:nvGrpSpPr>
+      <p:grpSpPr>
+        <a:xfrm>
+          <a:off x="0" y="0"/>
+          <a:ext cx="0" cy="0"/>
+          <a:chOff x="0" y="0"/>
+          <a:chExt cx="0" cy="0"/>
+        </a:xfrm>
+      </p:grpSpPr>
+      <p:sp>
+        <p:nvSpPr>
+          <p:cNvPr id="2" name="Title 1">
+            <a:extLst>
+              <a:ext uri="{FF2B5EF4-FFF2-40B4-BE49-F238E27FC236}">
+                <a16:creationId xmlns:a16="http://schemas.microsoft.com/office/drawing/2014/main" id="{8525C2D7-E417-70EE-D336-6C2729628304}"/>
+              </a:ext>
+            </a:extLst>
+          </p:cNvPr>
+          <p:cNvSpPr>
+            <a:spLocks noGrp="1"/>
+          </p:cNvSpPr>
+          <p:nvPr>
+            <p:ph type="title"/>
+          </p:nvPr>
+        </p:nvSpPr>
+        <p:spPr/>
+        <p:txBody>
+          <a:bodyPr/>
+          <a:lstStyle/>
+          <a:p>
+            <a:pPr marL="0" lvl="0" indent="0">
+              <a:buNone/>
+            </a:pPr>
+            <a:r>
+              <a:t>Practice Exercises</a:t>
+            </a:r>
+          </a:p>
+        </p:txBody>
+      </p:sp>
+      <p:pic>
+        <p:nvPicPr>
+          <p:cNvPr id="6" name="Picture 5" descr="A cat sitting on a computer&#10;&#10;AI-generated content may be incorrect.">
+            <a:extLst>
+              <a:ext uri="{FF2B5EF4-FFF2-40B4-BE49-F238E27FC236}">
+                <a16:creationId xmlns:a16="http://schemas.microsoft.com/office/drawing/2014/main" id="{D2E0F507-A649-BEC3-934D-D62F9A7982A2}"/>
+              </a:ext>
+            </a:extLst>
+          </p:cNvPr>
+          <p:cNvPicPr>
+            <a:picLocks noChangeAspect="1"/>
+          </p:cNvPicPr>
+          <p:nvPr/>
+        </p:nvPicPr>
+        <p:blipFill>
+          <a:blip r:embed="rId2">
+            <a:extLst>
+              <a:ext uri="{28A0092B-C50C-407E-A947-70E740481C1C}">
+                <a14:useLocalDpi xmlns:a14="http://schemas.microsoft.com/office/drawing/2010/main" val="0"/>
+              </a:ext>
+            </a:extLst>
+          </a:blip>
+          <a:stretch>
+            <a:fillRect/>
+          </a:stretch>
+        </p:blipFill>
+        <p:spPr>
+          <a:xfrm>
+            <a:off x="2154453" y="1417320"/>
+            <a:ext cx="7883093" cy="5255395"/>
+          </a:xfrm>
+          <a:prstGeom prst="rect">
+            <a:avLst/>
+          </a:prstGeom>
+        </p:spPr>
+      </p:pic>
     </p:spTree>
   </p:cSld>
   <p:clrMapOvr>
@@ -3987,6 +4339,53 @@
           </a:p>
         </p:txBody>
       </p:sp>
+      <p:pic>
+        <p:nvPicPr>
+          <p:cNvPr id="4" name="Picture 2">
+            <a:extLst>
+              <a:ext uri="{FF2B5EF4-FFF2-40B4-BE49-F238E27FC236}">
+                <a16:creationId xmlns:a16="http://schemas.microsoft.com/office/drawing/2014/main" id="{3DD7C785-6D92-E95D-8D5F-941E7BD28110}"/>
+              </a:ext>
+            </a:extLst>
+          </p:cNvPr>
+          <p:cNvPicPr>
+            <a:picLocks noChangeAspect="1" noChangeArrowheads="1"/>
+          </p:cNvPicPr>
+          <p:nvPr/>
+        </p:nvPicPr>
+        <p:blipFill>
+          <a:blip r:embed="rId2">
+            <a:extLst>
+              <a:ext uri="{28A0092B-C50C-407E-A947-70E740481C1C}">
+                <a14:useLocalDpi xmlns:a14="http://schemas.microsoft.com/office/drawing/2010/main" val="0"/>
+              </a:ext>
+            </a:extLst>
+          </a:blip>
+          <a:srcRect/>
+          <a:stretch>
+            <a:fillRect/>
+          </a:stretch>
+        </p:blipFill>
+        <p:spPr bwMode="auto">
+          <a:xfrm>
+            <a:off x="9683014" y="381017"/>
+            <a:ext cx="2181846" cy="1460159"/>
+          </a:xfrm>
+          <a:prstGeom prst="rect">
+            <a:avLst/>
+          </a:prstGeom>
+          <a:noFill/>
+          <a:extLst>
+            <a:ext uri="{909E8E84-426E-40DD-AFC4-6F175D3DCCD1}">
+              <a14:hiddenFill xmlns:a14="http://schemas.microsoft.com/office/drawing/2010/main">
+                <a:solidFill>
+                  <a:srgbClr val="FFFFFF"/>
+                </a:solidFill>
+              </a14:hiddenFill>
+            </a:ext>
+          </a:extLst>
+        </p:spPr>
+      </p:pic>
     </p:spTree>
   </p:cSld>
   <p:clrMapOvr>
@@ -4166,24 +4565,28 @@
           <a:p>
             <a:pPr lvl="0"/>
             <a:r>
+              <a:rPr dirty="0"/>
               <a:t>More abstract than visual spreadsheet representation</a:t>
             </a:r>
           </a:p>
           <a:p>
             <a:pPr lvl="0"/>
             <a:r>
+              <a:rPr dirty="0"/>
               <a:t>Create variables in code script files</a:t>
             </a:r>
           </a:p>
           <a:p>
             <a:pPr lvl="0"/>
             <a:r>
+              <a:rPr dirty="0"/>
               <a:t>Bring data from external files or web</a:t>
             </a:r>
           </a:p>
           <a:p>
             <a:pPr lvl="0"/>
             <a:r>
+              <a:rPr dirty="0"/>
               <a:t>Use class() function to check variable types</a:t>
             </a:r>
           </a:p>
@@ -4214,83 +4617,59 @@
           <a:chExt cx="0" cy="0"/>
         </a:xfrm>
       </p:grpSpPr>
-      <p:sp>
-        <p:nvSpPr>
-          <p:cNvPr id="2" name="Title 1">
-            <a:extLst>
-              <a:ext uri="{FF2B5EF4-FFF2-40B4-BE49-F238E27FC236}">
-                <a16:creationId xmlns:a16="http://schemas.microsoft.com/office/drawing/2014/main" id="{8525C2D7-E417-70EE-D336-6C2729628304}"/>
-              </a:ext>
-            </a:extLst>
-          </p:cNvPr>
-          <p:cNvSpPr>
-            <a:spLocks noGrp="1"/>
-          </p:cNvSpPr>
-          <p:nvPr>
-            <p:ph type="title"/>
-          </p:nvPr>
-        </p:nvSpPr>
-        <p:spPr/>
-        <p:txBody>
-          <a:bodyPr/>
-          <a:lstStyle/>
-          <a:p>
-            <a:pPr marL="0" lvl="0" indent="0">
-              <a:buNone/>
-            </a:pPr>
-            <a:r>
-              <a:t>Vector Fundamentals</a:t>
-            </a:r>
-          </a:p>
-        </p:txBody>
-      </p:sp>
-      <p:sp>
-        <p:nvSpPr>
-          <p:cNvPr id="3" name="Content Placeholder 2">
-            <a:extLst>
-              <a:ext uri="{FF2B5EF4-FFF2-40B4-BE49-F238E27FC236}">
-                <a16:creationId xmlns:a16="http://schemas.microsoft.com/office/drawing/2014/main" id="{51C3FE42-1672-993E-68F1-5E07C2E42057}"/>
-              </a:ext>
-            </a:extLst>
-          </p:cNvPr>
-          <p:cNvSpPr>
-            <a:spLocks noGrp="1"/>
-          </p:cNvSpPr>
-          <p:nvPr>
-            <p:ph idx="1"/>
-          </p:nvPr>
-        </p:nvSpPr>
-        <p:spPr/>
-        <p:txBody>
-          <a:bodyPr/>
-          <a:lstStyle/>
-          <a:p>
-            <a:pPr lvl="0"/>
-            <a:r>
-              <a:t>Most basic data structure in R</a:t>
-            </a:r>
-          </a:p>
-          <a:p>
-            <a:pPr lvl="0"/>
-            <a:r>
-              <a:t>Collection of elements of same type</a:t>
-            </a:r>
-          </a:p>
-          <a:p>
-            <a:pPr lvl="0"/>
-            <a:r>
-              <a:t>Created using c() function</a:t>
-            </a:r>
-          </a:p>
-          <a:p>
-            <a:pPr lvl="0"/>
-            <a:r>
-              <a:t>Operations applied element-wise automatically</a:t>
-            </a:r>
-          </a:p>
-        </p:txBody>
-      </p:sp>
+      <p:pic>
+        <p:nvPicPr>
+          <p:cNvPr id="2050" name="Picture 2">
+            <a:extLst>
+              <a:ext uri="{FF2B5EF4-FFF2-40B4-BE49-F238E27FC236}">
+                <a16:creationId xmlns:a16="http://schemas.microsoft.com/office/drawing/2014/main" id="{FBF7E660-6A63-904E-31AA-FF08EFB1C38F}"/>
+              </a:ext>
+            </a:extLst>
+          </p:cNvPr>
+          <p:cNvPicPr>
+            <a:picLocks noChangeAspect="1" noChangeArrowheads="1"/>
+          </p:cNvPicPr>
+          <p:nvPr/>
+        </p:nvPicPr>
+        <p:blipFill>
+          <a:blip r:embed="rId2">
+            <a:extLst>
+              <a:ext uri="{28A0092B-C50C-407E-A947-70E740481C1C}">
+                <a14:useLocalDpi xmlns:a14="http://schemas.microsoft.com/office/drawing/2010/main" val="0"/>
+              </a:ext>
+            </a:extLst>
+          </a:blip>
+          <a:srcRect/>
+          <a:stretch>
+            <a:fillRect/>
+          </a:stretch>
+        </p:blipFill>
+        <p:spPr bwMode="auto">
+          <a:xfrm>
+            <a:off x="1214262" y="166930"/>
+            <a:ext cx="9763476" cy="6524139"/>
+          </a:xfrm>
+          <a:prstGeom prst="rect">
+            <a:avLst/>
+          </a:prstGeom>
+          <a:noFill/>
+          <a:extLst>
+            <a:ext uri="{909E8E84-426E-40DD-AFC4-6F175D3DCCD1}">
+              <a14:hiddenFill xmlns:a14="http://schemas.microsoft.com/office/drawing/2010/main">
+                <a:solidFill>
+                  <a:srgbClr val="FFFFFF"/>
+                </a:solidFill>
+              </a14:hiddenFill>
+            </a:ext>
+          </a:extLst>
+        </p:spPr>
+      </p:pic>
     </p:spTree>
+    <p:extLst>
+      <p:ext uri="{BB962C8B-B14F-4D97-AF65-F5344CB8AC3E}">
+        <p14:creationId xmlns:p14="http://schemas.microsoft.com/office/powerpoint/2010/main" val="2088381866"/>
+      </p:ext>
+    </p:extLst>
   </p:cSld>
   <p:clrMapOvr>
     <a:masterClrMapping/>
@@ -4340,7 +4719,7 @@
               <a:buNone/>
             </a:pPr>
             <a:r>
-              <a:t>Creating Different Vector Types</a:t>
+              <a:t>Vector Fundamentals</a:t>
             </a:r>
           </a:p>
         </p:txBody>
@@ -4368,25 +4747,25 @@
           <a:p>
             <a:pPr lvl="0"/>
             <a:r>
-              <a:t>Numeric vectors: c(1, 2, 3, 4)</a:t>
-            </a:r>
-          </a:p>
-          <a:p>
-            <a:pPr lvl="0"/>
-            <a:r>
-              <a:t>Character vectors: c(“apple”, “banana”, “cherry”)</a:t>
-            </a:r>
-          </a:p>
-          <a:p>
-            <a:pPr lvl="0"/>
-            <a:r>
-              <a:t>Logical vectors: c(TRUE, FALSE, TRUE)</a:t>
-            </a:r>
-          </a:p>
-          <a:p>
-            <a:pPr lvl="0"/>
-            <a:r>
-              <a:t>Sequences: 1:10 or seq() function</a:t>
+              <a:t>Most basic data structure in R</a:t>
+            </a:r>
+          </a:p>
+          <a:p>
+            <a:pPr lvl="0"/>
+            <a:r>
+              <a:t>Collection of elements of same type</a:t>
+            </a:r>
+          </a:p>
+          <a:p>
+            <a:pPr lvl="0"/>
+            <a:r>
+              <a:t>Created using c() function</a:t>
+            </a:r>
+          </a:p>
+          <a:p>
+            <a:pPr lvl="0"/>
+            <a:r>
+              <a:t>Operations applied element-wise automatically</a:t>
             </a:r>
           </a:p>
         </p:txBody>
@@ -4441,7 +4820,7 @@
               <a:buNone/>
             </a:pPr>
             <a:r>
-              <a:t>Variable Naming Rules</a:t>
+              <a:t>Creating Different Vector Types</a:t>
             </a:r>
           </a:p>
         </p:txBody>
@@ -4469,25 +4848,60 @@
           <a:p>
             <a:pPr lvl="0"/>
             <a:r>
-              <a:t>Must begin with letter, can contain numbers</a:t>
-            </a:r>
-          </a:p>
-          <a:p>
-            <a:pPr lvl="0"/>
-            <a:r>
-              <a:t>Cannot contain spaces or forbidden characters</a:t>
-            </a:r>
-          </a:p>
-          <a:p>
-            <a:pPr lvl="0"/>
-            <a:r>
-              <a:t>Should be human-readable and consistent</a:t>
-            </a:r>
-          </a:p>
-          <a:p>
-            <a:pPr lvl="0"/>
-            <a:r>
-              <a:t>Case sensitive throughout R</a:t>
+              <a:t>Numeric vectors: c(1, 2, 3, 4)</a:t>
+            </a:r>
+          </a:p>
+          <a:p>
+            <a:pPr lvl="0"/>
+            <a:r>
+              <a:t>Character vectors: c(“apple”, “banana”, “cherry”)</a:t>
+            </a:r>
+          </a:p>
+          <a:p>
+            <a:pPr lvl="0"/>
+            <a:r>
+              <a:t>Logical vectors: c(TRUE, FALSE, TRUE)</a:t>
+            </a:r>
+          </a:p>
+          <a:p>
+            <a:pPr lvl="0"/>
+            <a:r>
+              <a:t>Sequences: 1:10 or seq() function</a:t>
+            </a:r>
+          </a:p>
+        </p:txBody>
+      </p:sp>
+      <p:sp>
+        <p:nvSpPr>
+          <p:cNvPr id="4" name="TextBox 3">
+            <a:extLst>
+              <a:ext uri="{FF2B5EF4-FFF2-40B4-BE49-F238E27FC236}">
+                <a16:creationId xmlns:a16="http://schemas.microsoft.com/office/drawing/2014/main" id="{C1F74E70-8886-2A56-4F63-3DB0CA2588FD}"/>
+              </a:ext>
+            </a:extLst>
+          </p:cNvPr>
+          <p:cNvSpPr txBox="1"/>
+          <p:nvPr/>
+        </p:nvSpPr>
+        <p:spPr>
+          <a:xfrm>
+            <a:off x="3726612" y="4692769"/>
+            <a:ext cx="3774110" cy="646331"/>
+          </a:xfrm>
+          <a:prstGeom prst="rect">
+            <a:avLst/>
+          </a:prstGeom>
+          <a:noFill/>
+        </p:spPr>
+        <p:txBody>
+          <a:bodyPr wrap="none" rtlCol="0">
+            <a:spAutoFit/>
+          </a:bodyPr>
+          <a:lstStyle/>
+          <a:p>
+            <a:r>
+              <a:rPr lang="en-GB" sz="3600" b="1" dirty="0"/>
+              <a:t>&lt;demonstration&gt;</a:t>
             </a:r>
           </a:p>
         </p:txBody>
@@ -4542,7 +4956,7 @@
               <a:buNone/>
             </a:pPr>
             <a:r>
-              <a:t>Working with Factors</a:t>
+              <a:t>Variable Naming Rules</a:t>
             </a:r>
           </a:p>
         </p:txBody>
@@ -4570,25 +4984,25 @@
           <a:p>
             <a:pPr lvl="0"/>
             <a:r>
-              <a:t>Used for categorical data with limited categories</a:t>
-            </a:r>
-          </a:p>
-          <a:p>
-            <a:pPr lvl="0"/>
-            <a:r>
-              <a:t>Non-ordered factors: simple category names</a:t>
-            </a:r>
-          </a:p>
-          <a:p>
-            <a:pPr lvl="0"/>
-            <a:r>
-              <a:t>Ordered factors: specific sequence matters</a:t>
-            </a:r>
-          </a:p>
-          <a:p>
-            <a:pPr lvl="0"/>
-            <a:r>
-              <a:t>Must specify order explicitly when needed</a:t>
+              <a:t>Must begin with letter, can contain numbers</a:t>
+            </a:r>
+          </a:p>
+          <a:p>
+            <a:pPr lvl="0"/>
+            <a:r>
+              <a:t>Cannot contain spaces or forbidden characters</a:t>
+            </a:r>
+          </a:p>
+          <a:p>
+            <a:pPr lvl="0"/>
+            <a:r>
+              <a:t>Should be human-readable and consistent</a:t>
+            </a:r>
+          </a:p>
+          <a:p>
+            <a:pPr lvl="0"/>
+            <a:r>
+              <a:t>Case sensitive throughout R</a:t>
             </a:r>
           </a:p>
         </p:txBody>
